--- a/Функции активации.pptx
+++ b/Функции активации.pptx
@@ -181,10 +181,9 @@
           </a:lstStyle>
           <a:p>
             <a:r>
-              <a:rPr lang="ru-RU" smtClean="0"/>
+              <a:rPr lang="ru-RU"/>
               <a:t>Образец заголовка</a:t>
             </a:r>
-            <a:endParaRPr lang="ru-RU"/>
           </a:p>
         </p:txBody>
       </p:sp>
@@ -246,10 +245,9 @@
           </a:lstStyle>
           <a:p>
             <a:r>
-              <a:rPr lang="ru-RU" smtClean="0"/>
+              <a:rPr lang="ru-RU"/>
               <a:t>Образец подзаголовка</a:t>
             </a:r>
-            <a:endParaRPr lang="ru-RU"/>
           </a:p>
         </p:txBody>
       </p:sp>
@@ -270,7 +268,7 @@
           <a:p>
             <a:fld id="{4D7ED0FD-5796-4837-B628-F39B5F908EF3}" type="datetimeFigureOut">
               <a:rPr lang="ru-RU" smtClean="0"/>
-              <a:t>23.01.2019</a:t>
+              <a:t>24.01.2019</a:t>
             </a:fld>
             <a:endParaRPr lang="ru-RU"/>
           </a:p>
@@ -364,10 +362,9 @@
           <a:lstStyle/>
           <a:p>
             <a:r>
-              <a:rPr lang="ru-RU" smtClean="0"/>
+              <a:rPr lang="ru-RU"/>
               <a:t>Образец заголовка</a:t>
             </a:r>
-            <a:endParaRPr lang="ru-RU"/>
           </a:p>
         </p:txBody>
       </p:sp>
@@ -388,38 +385,37 @@
           <a:p>
             <a:pPr lvl="0"/>
             <a:r>
-              <a:rPr lang="ru-RU" smtClean="0"/>
+              <a:rPr lang="ru-RU"/>
               <a:t>Образец текста</a:t>
             </a:r>
           </a:p>
           <a:p>
             <a:pPr lvl="1"/>
             <a:r>
-              <a:rPr lang="ru-RU" smtClean="0"/>
+              <a:rPr lang="ru-RU"/>
               <a:t>Второй уровень</a:t>
             </a:r>
           </a:p>
           <a:p>
             <a:pPr lvl="2"/>
             <a:r>
-              <a:rPr lang="ru-RU" smtClean="0"/>
+              <a:rPr lang="ru-RU"/>
               <a:t>Третий уровень</a:t>
             </a:r>
           </a:p>
           <a:p>
             <a:pPr lvl="3"/>
             <a:r>
-              <a:rPr lang="ru-RU" smtClean="0"/>
+              <a:rPr lang="ru-RU"/>
               <a:t>Четвертый уровень</a:t>
             </a:r>
           </a:p>
           <a:p>
             <a:pPr lvl="4"/>
             <a:r>
-              <a:rPr lang="ru-RU" smtClean="0"/>
+              <a:rPr lang="ru-RU"/>
               <a:t>Пятый уровень</a:t>
             </a:r>
-            <a:endParaRPr lang="ru-RU"/>
           </a:p>
         </p:txBody>
       </p:sp>
@@ -440,7 +436,7 @@
           <a:p>
             <a:fld id="{4D7ED0FD-5796-4837-B628-F39B5F908EF3}" type="datetimeFigureOut">
               <a:rPr lang="ru-RU" smtClean="0"/>
-              <a:t>23.01.2019</a:t>
+              <a:t>24.01.2019</a:t>
             </a:fld>
             <a:endParaRPr lang="ru-RU"/>
           </a:p>
@@ -539,10 +535,9 @@
           <a:lstStyle/>
           <a:p>
             <a:r>
-              <a:rPr lang="ru-RU" smtClean="0"/>
+              <a:rPr lang="ru-RU"/>
               <a:t>Образец заголовка</a:t>
             </a:r>
-            <a:endParaRPr lang="ru-RU"/>
           </a:p>
         </p:txBody>
       </p:sp>
@@ -568,38 +563,37 @@
           <a:p>
             <a:pPr lvl="0"/>
             <a:r>
-              <a:rPr lang="ru-RU" smtClean="0"/>
+              <a:rPr lang="ru-RU"/>
               <a:t>Образец текста</a:t>
             </a:r>
           </a:p>
           <a:p>
             <a:pPr lvl="1"/>
             <a:r>
-              <a:rPr lang="ru-RU" smtClean="0"/>
+              <a:rPr lang="ru-RU"/>
               <a:t>Второй уровень</a:t>
             </a:r>
           </a:p>
           <a:p>
             <a:pPr lvl="2"/>
             <a:r>
-              <a:rPr lang="ru-RU" smtClean="0"/>
+              <a:rPr lang="ru-RU"/>
               <a:t>Третий уровень</a:t>
             </a:r>
           </a:p>
           <a:p>
             <a:pPr lvl="3"/>
             <a:r>
-              <a:rPr lang="ru-RU" smtClean="0"/>
+              <a:rPr lang="ru-RU"/>
               <a:t>Четвертый уровень</a:t>
             </a:r>
           </a:p>
           <a:p>
             <a:pPr lvl="4"/>
             <a:r>
-              <a:rPr lang="ru-RU" smtClean="0"/>
+              <a:rPr lang="ru-RU"/>
               <a:t>Пятый уровень</a:t>
             </a:r>
-            <a:endParaRPr lang="ru-RU"/>
           </a:p>
         </p:txBody>
       </p:sp>
@@ -620,7 +614,7 @@
           <a:p>
             <a:fld id="{4D7ED0FD-5796-4837-B628-F39B5F908EF3}" type="datetimeFigureOut">
               <a:rPr lang="ru-RU" smtClean="0"/>
-              <a:t>23.01.2019</a:t>
+              <a:t>24.01.2019</a:t>
             </a:fld>
             <a:endParaRPr lang="ru-RU"/>
           </a:p>
@@ -714,10 +708,9 @@
           <a:lstStyle/>
           <a:p>
             <a:r>
-              <a:rPr lang="ru-RU" smtClean="0"/>
+              <a:rPr lang="ru-RU"/>
               <a:t>Образец заголовка</a:t>
             </a:r>
-            <a:endParaRPr lang="ru-RU"/>
           </a:p>
         </p:txBody>
       </p:sp>
@@ -738,38 +731,37 @@
           <a:p>
             <a:pPr lvl="0"/>
             <a:r>
-              <a:rPr lang="ru-RU" smtClean="0"/>
+              <a:rPr lang="ru-RU"/>
               <a:t>Образец текста</a:t>
             </a:r>
           </a:p>
           <a:p>
             <a:pPr lvl="1"/>
             <a:r>
-              <a:rPr lang="ru-RU" smtClean="0"/>
+              <a:rPr lang="ru-RU"/>
               <a:t>Второй уровень</a:t>
             </a:r>
           </a:p>
           <a:p>
             <a:pPr lvl="2"/>
             <a:r>
-              <a:rPr lang="ru-RU" smtClean="0"/>
+              <a:rPr lang="ru-RU"/>
               <a:t>Третий уровень</a:t>
             </a:r>
           </a:p>
           <a:p>
             <a:pPr lvl="3"/>
             <a:r>
-              <a:rPr lang="ru-RU" smtClean="0"/>
+              <a:rPr lang="ru-RU"/>
               <a:t>Четвертый уровень</a:t>
             </a:r>
           </a:p>
           <a:p>
             <a:pPr lvl="4"/>
             <a:r>
-              <a:rPr lang="ru-RU" smtClean="0"/>
+              <a:rPr lang="ru-RU"/>
               <a:t>Пятый уровень</a:t>
             </a:r>
-            <a:endParaRPr lang="ru-RU"/>
           </a:p>
         </p:txBody>
       </p:sp>
@@ -790,7 +782,7 @@
           <a:p>
             <a:fld id="{4D7ED0FD-5796-4837-B628-F39B5F908EF3}" type="datetimeFigureOut">
               <a:rPr lang="ru-RU" smtClean="0"/>
-              <a:t>23.01.2019</a:t>
+              <a:t>24.01.2019</a:t>
             </a:fld>
             <a:endParaRPr lang="ru-RU"/>
           </a:p>
@@ -893,10 +885,9 @@
           </a:lstStyle>
           <a:p>
             <a:r>
-              <a:rPr lang="ru-RU" smtClean="0"/>
+              <a:rPr lang="ru-RU"/>
               <a:t>Образец заголовка</a:t>
             </a:r>
-            <a:endParaRPr lang="ru-RU"/>
           </a:p>
         </p:txBody>
       </p:sp>
@@ -1013,7 +1004,7 @@
           <a:p>
             <a:pPr lvl="0"/>
             <a:r>
-              <a:rPr lang="ru-RU" smtClean="0"/>
+              <a:rPr lang="ru-RU"/>
               <a:t>Образец текста</a:t>
             </a:r>
           </a:p>
@@ -1036,7 +1027,7 @@
           <a:p>
             <a:fld id="{4D7ED0FD-5796-4837-B628-F39B5F908EF3}" type="datetimeFigureOut">
               <a:rPr lang="ru-RU" smtClean="0"/>
-              <a:t>23.01.2019</a:t>
+              <a:t>24.01.2019</a:t>
             </a:fld>
             <a:endParaRPr lang="ru-RU"/>
           </a:p>
@@ -1130,10 +1121,9 @@
           <a:lstStyle/>
           <a:p>
             <a:r>
-              <a:rPr lang="ru-RU" smtClean="0"/>
+              <a:rPr lang="ru-RU"/>
               <a:t>Образец заголовка</a:t>
             </a:r>
-            <a:endParaRPr lang="ru-RU"/>
           </a:p>
         </p:txBody>
       </p:sp>
@@ -1159,38 +1149,37 @@
           <a:p>
             <a:pPr lvl="0"/>
             <a:r>
-              <a:rPr lang="ru-RU" smtClean="0"/>
+              <a:rPr lang="ru-RU"/>
               <a:t>Образец текста</a:t>
             </a:r>
           </a:p>
           <a:p>
             <a:pPr lvl="1"/>
             <a:r>
-              <a:rPr lang="ru-RU" smtClean="0"/>
+              <a:rPr lang="ru-RU"/>
               <a:t>Второй уровень</a:t>
             </a:r>
           </a:p>
           <a:p>
             <a:pPr lvl="2"/>
             <a:r>
-              <a:rPr lang="ru-RU" smtClean="0"/>
+              <a:rPr lang="ru-RU"/>
               <a:t>Третий уровень</a:t>
             </a:r>
           </a:p>
           <a:p>
             <a:pPr lvl="3"/>
             <a:r>
-              <a:rPr lang="ru-RU" smtClean="0"/>
+              <a:rPr lang="ru-RU"/>
               <a:t>Четвертый уровень</a:t>
             </a:r>
           </a:p>
           <a:p>
             <a:pPr lvl="4"/>
             <a:r>
-              <a:rPr lang="ru-RU" smtClean="0"/>
+              <a:rPr lang="ru-RU"/>
               <a:t>Пятый уровень</a:t>
             </a:r>
-            <a:endParaRPr lang="ru-RU"/>
           </a:p>
         </p:txBody>
       </p:sp>
@@ -1216,38 +1205,37 @@
           <a:p>
             <a:pPr lvl="0"/>
             <a:r>
-              <a:rPr lang="ru-RU" smtClean="0"/>
+              <a:rPr lang="ru-RU"/>
               <a:t>Образец текста</a:t>
             </a:r>
           </a:p>
           <a:p>
             <a:pPr lvl="1"/>
             <a:r>
-              <a:rPr lang="ru-RU" smtClean="0"/>
+              <a:rPr lang="ru-RU"/>
               <a:t>Второй уровень</a:t>
             </a:r>
           </a:p>
           <a:p>
             <a:pPr lvl="2"/>
             <a:r>
-              <a:rPr lang="ru-RU" smtClean="0"/>
+              <a:rPr lang="ru-RU"/>
               <a:t>Третий уровень</a:t>
             </a:r>
           </a:p>
           <a:p>
             <a:pPr lvl="3"/>
             <a:r>
-              <a:rPr lang="ru-RU" smtClean="0"/>
+              <a:rPr lang="ru-RU"/>
               <a:t>Четвертый уровень</a:t>
             </a:r>
           </a:p>
           <a:p>
             <a:pPr lvl="4"/>
             <a:r>
-              <a:rPr lang="ru-RU" smtClean="0"/>
+              <a:rPr lang="ru-RU"/>
               <a:t>Пятый уровень</a:t>
             </a:r>
-            <a:endParaRPr lang="ru-RU"/>
           </a:p>
         </p:txBody>
       </p:sp>
@@ -1268,7 +1256,7 @@
           <a:p>
             <a:fld id="{4D7ED0FD-5796-4837-B628-F39B5F908EF3}" type="datetimeFigureOut">
               <a:rPr lang="ru-RU" smtClean="0"/>
-              <a:t>23.01.2019</a:t>
+              <a:t>24.01.2019</a:t>
             </a:fld>
             <a:endParaRPr lang="ru-RU"/>
           </a:p>
@@ -1367,10 +1355,9 @@
           <a:lstStyle/>
           <a:p>
             <a:r>
-              <a:rPr lang="ru-RU" smtClean="0"/>
+              <a:rPr lang="ru-RU"/>
               <a:t>Образец заголовка</a:t>
             </a:r>
-            <a:endParaRPr lang="ru-RU"/>
           </a:p>
         </p:txBody>
       </p:sp>
@@ -1433,7 +1420,7 @@
           <a:p>
             <a:pPr lvl="0"/>
             <a:r>
-              <a:rPr lang="ru-RU" smtClean="0"/>
+              <a:rPr lang="ru-RU"/>
               <a:t>Образец текста</a:t>
             </a:r>
           </a:p>
@@ -1461,38 +1448,37 @@
           <a:p>
             <a:pPr lvl="0"/>
             <a:r>
-              <a:rPr lang="ru-RU" smtClean="0"/>
+              <a:rPr lang="ru-RU"/>
               <a:t>Образец текста</a:t>
             </a:r>
           </a:p>
           <a:p>
             <a:pPr lvl="1"/>
             <a:r>
-              <a:rPr lang="ru-RU" smtClean="0"/>
+              <a:rPr lang="ru-RU"/>
               <a:t>Второй уровень</a:t>
             </a:r>
           </a:p>
           <a:p>
             <a:pPr lvl="2"/>
             <a:r>
-              <a:rPr lang="ru-RU" smtClean="0"/>
+              <a:rPr lang="ru-RU"/>
               <a:t>Третий уровень</a:t>
             </a:r>
           </a:p>
           <a:p>
             <a:pPr lvl="3"/>
             <a:r>
-              <a:rPr lang="ru-RU" smtClean="0"/>
+              <a:rPr lang="ru-RU"/>
               <a:t>Четвертый уровень</a:t>
             </a:r>
           </a:p>
           <a:p>
             <a:pPr lvl="4"/>
             <a:r>
-              <a:rPr lang="ru-RU" smtClean="0"/>
+              <a:rPr lang="ru-RU"/>
               <a:t>Пятый уровень</a:t>
             </a:r>
-            <a:endParaRPr lang="ru-RU"/>
           </a:p>
         </p:txBody>
       </p:sp>
@@ -1555,7 +1541,7 @@
           <a:p>
             <a:pPr lvl="0"/>
             <a:r>
-              <a:rPr lang="ru-RU" smtClean="0"/>
+              <a:rPr lang="ru-RU"/>
               <a:t>Образец текста</a:t>
             </a:r>
           </a:p>
@@ -1583,38 +1569,37 @@
           <a:p>
             <a:pPr lvl="0"/>
             <a:r>
-              <a:rPr lang="ru-RU" smtClean="0"/>
+              <a:rPr lang="ru-RU"/>
               <a:t>Образец текста</a:t>
             </a:r>
           </a:p>
           <a:p>
             <a:pPr lvl="1"/>
             <a:r>
-              <a:rPr lang="ru-RU" smtClean="0"/>
+              <a:rPr lang="ru-RU"/>
               <a:t>Второй уровень</a:t>
             </a:r>
           </a:p>
           <a:p>
             <a:pPr lvl="2"/>
             <a:r>
-              <a:rPr lang="ru-RU" smtClean="0"/>
+              <a:rPr lang="ru-RU"/>
               <a:t>Третий уровень</a:t>
             </a:r>
           </a:p>
           <a:p>
             <a:pPr lvl="3"/>
             <a:r>
-              <a:rPr lang="ru-RU" smtClean="0"/>
+              <a:rPr lang="ru-RU"/>
               <a:t>Четвертый уровень</a:t>
             </a:r>
           </a:p>
           <a:p>
             <a:pPr lvl="4"/>
             <a:r>
-              <a:rPr lang="ru-RU" smtClean="0"/>
+              <a:rPr lang="ru-RU"/>
               <a:t>Пятый уровень</a:t>
             </a:r>
-            <a:endParaRPr lang="ru-RU"/>
           </a:p>
         </p:txBody>
       </p:sp>
@@ -1635,7 +1620,7 @@
           <a:p>
             <a:fld id="{4D7ED0FD-5796-4837-B628-F39B5F908EF3}" type="datetimeFigureOut">
               <a:rPr lang="ru-RU" smtClean="0"/>
-              <a:t>23.01.2019</a:t>
+              <a:t>24.01.2019</a:t>
             </a:fld>
             <a:endParaRPr lang="ru-RU"/>
           </a:p>
@@ -1729,10 +1714,9 @@
           <a:lstStyle/>
           <a:p>
             <a:r>
-              <a:rPr lang="ru-RU" smtClean="0"/>
+              <a:rPr lang="ru-RU"/>
               <a:t>Образец заголовка</a:t>
             </a:r>
-            <a:endParaRPr lang="ru-RU"/>
           </a:p>
         </p:txBody>
       </p:sp>
@@ -1753,7 +1737,7 @@
           <a:p>
             <a:fld id="{4D7ED0FD-5796-4837-B628-F39B5F908EF3}" type="datetimeFigureOut">
               <a:rPr lang="ru-RU" smtClean="0"/>
-              <a:t>23.01.2019</a:t>
+              <a:t>24.01.2019</a:t>
             </a:fld>
             <a:endParaRPr lang="ru-RU"/>
           </a:p>
@@ -1848,7 +1832,7 @@
           <a:p>
             <a:fld id="{4D7ED0FD-5796-4837-B628-F39B5F908EF3}" type="datetimeFigureOut">
               <a:rPr lang="ru-RU" smtClean="0"/>
-              <a:t>23.01.2019</a:t>
+              <a:t>24.01.2019</a:t>
             </a:fld>
             <a:endParaRPr lang="ru-RU"/>
           </a:p>
@@ -1951,10 +1935,9 @@
           </a:lstStyle>
           <a:p>
             <a:r>
-              <a:rPr lang="ru-RU" smtClean="0"/>
+              <a:rPr lang="ru-RU"/>
               <a:t>Образец заголовка</a:t>
             </a:r>
-            <a:endParaRPr lang="ru-RU"/>
           </a:p>
         </p:txBody>
       </p:sp>
@@ -2008,38 +1991,37 @@
           <a:p>
             <a:pPr lvl="0"/>
             <a:r>
-              <a:rPr lang="ru-RU" smtClean="0"/>
+              <a:rPr lang="ru-RU"/>
               <a:t>Образец текста</a:t>
             </a:r>
           </a:p>
           <a:p>
             <a:pPr lvl="1"/>
             <a:r>
-              <a:rPr lang="ru-RU" smtClean="0"/>
+              <a:rPr lang="ru-RU"/>
               <a:t>Второй уровень</a:t>
             </a:r>
           </a:p>
           <a:p>
             <a:pPr lvl="2"/>
             <a:r>
-              <a:rPr lang="ru-RU" smtClean="0"/>
+              <a:rPr lang="ru-RU"/>
               <a:t>Третий уровень</a:t>
             </a:r>
           </a:p>
           <a:p>
             <a:pPr lvl="3"/>
             <a:r>
-              <a:rPr lang="ru-RU" smtClean="0"/>
+              <a:rPr lang="ru-RU"/>
               <a:t>Четвертый уровень</a:t>
             </a:r>
           </a:p>
           <a:p>
             <a:pPr lvl="4"/>
             <a:r>
-              <a:rPr lang="ru-RU" smtClean="0"/>
+              <a:rPr lang="ru-RU"/>
               <a:t>Пятый уровень</a:t>
             </a:r>
-            <a:endParaRPr lang="ru-RU"/>
           </a:p>
         </p:txBody>
       </p:sp>
@@ -2102,7 +2084,7 @@
           <a:p>
             <a:pPr lvl="0"/>
             <a:r>
-              <a:rPr lang="ru-RU" smtClean="0"/>
+              <a:rPr lang="ru-RU"/>
               <a:t>Образец текста</a:t>
             </a:r>
           </a:p>
@@ -2125,7 +2107,7 @@
           <a:p>
             <a:fld id="{4D7ED0FD-5796-4837-B628-F39B5F908EF3}" type="datetimeFigureOut">
               <a:rPr lang="ru-RU" smtClean="0"/>
-              <a:t>23.01.2019</a:t>
+              <a:t>24.01.2019</a:t>
             </a:fld>
             <a:endParaRPr lang="ru-RU"/>
           </a:p>
@@ -2228,10 +2210,9 @@
           </a:lstStyle>
           <a:p>
             <a:r>
-              <a:rPr lang="ru-RU" smtClean="0"/>
+              <a:rPr lang="ru-RU"/>
               <a:t>Образец заголовка</a:t>
             </a:r>
-            <a:endParaRPr lang="ru-RU"/>
           </a:p>
         </p:txBody>
       </p:sp>
@@ -2355,7 +2336,7 @@
           <a:p>
             <a:pPr lvl="0"/>
             <a:r>
-              <a:rPr lang="ru-RU" smtClean="0"/>
+              <a:rPr lang="ru-RU"/>
               <a:t>Образец текста</a:t>
             </a:r>
           </a:p>
@@ -2378,7 +2359,7 @@
           <a:p>
             <a:fld id="{4D7ED0FD-5796-4837-B628-F39B5F908EF3}" type="datetimeFigureOut">
               <a:rPr lang="ru-RU" smtClean="0"/>
-              <a:t>23.01.2019</a:t>
+              <a:t>24.01.2019</a:t>
             </a:fld>
             <a:endParaRPr lang="ru-RU"/>
           </a:p>
@@ -2487,10 +2468,9 @@
           <a:lstStyle/>
           <a:p>
             <a:r>
-              <a:rPr lang="ru-RU" smtClean="0"/>
+              <a:rPr lang="ru-RU"/>
               <a:t>Образец заголовка</a:t>
             </a:r>
-            <a:endParaRPr lang="ru-RU"/>
           </a:p>
         </p:txBody>
       </p:sp>
@@ -2521,38 +2501,37 @@
           <a:p>
             <a:pPr lvl="0"/>
             <a:r>
-              <a:rPr lang="ru-RU" smtClean="0"/>
+              <a:rPr lang="ru-RU"/>
               <a:t>Образец текста</a:t>
             </a:r>
           </a:p>
           <a:p>
             <a:pPr lvl="1"/>
             <a:r>
-              <a:rPr lang="ru-RU" smtClean="0"/>
+              <a:rPr lang="ru-RU"/>
               <a:t>Второй уровень</a:t>
             </a:r>
           </a:p>
           <a:p>
             <a:pPr lvl="2"/>
             <a:r>
-              <a:rPr lang="ru-RU" smtClean="0"/>
+              <a:rPr lang="ru-RU"/>
               <a:t>Третий уровень</a:t>
             </a:r>
           </a:p>
           <a:p>
             <a:pPr lvl="3"/>
             <a:r>
-              <a:rPr lang="ru-RU" smtClean="0"/>
+              <a:rPr lang="ru-RU"/>
               <a:t>Четвертый уровень</a:t>
             </a:r>
           </a:p>
           <a:p>
             <a:pPr lvl="4"/>
             <a:r>
-              <a:rPr lang="ru-RU" smtClean="0"/>
+              <a:rPr lang="ru-RU"/>
               <a:t>Пятый уровень</a:t>
             </a:r>
-            <a:endParaRPr lang="ru-RU"/>
           </a:p>
         </p:txBody>
       </p:sp>
@@ -2591,7 +2570,7 @@
           <a:p>
             <a:fld id="{4D7ED0FD-5796-4837-B628-F39B5F908EF3}" type="datetimeFigureOut">
               <a:rPr lang="ru-RU" smtClean="0"/>
-              <a:t>23.01.2019</a:t>
+              <a:t>24.01.2019</a:t>
             </a:fld>
             <a:endParaRPr lang="ru-RU"/>
           </a:p>
@@ -3012,10 +2991,9 @@
           <a:lstStyle/>
           <a:p>
             <a:r>
-              <a:rPr lang="ru-RU" dirty="0" smtClean="0"/>
+              <a:rPr lang="ru-RU" dirty="0"/>
               <a:t>Функции активации</a:t>
             </a:r>
-            <a:endParaRPr lang="ru-RU" dirty="0"/>
           </a:p>
         </p:txBody>
       </p:sp>
@@ -3090,23 +3068,22 @@
           <a:p>
             <a:pPr algn="ctr"/>
             <a:r>
-              <a:rPr lang="ru-RU" dirty="0" smtClean="0"/>
+              <a:rPr lang="ru-RU" dirty="0"/>
               <a:t>Ступенчатая функция (функция </a:t>
             </a:r>
             <a:r>
-              <a:rPr lang="ru-RU" dirty="0" err="1" smtClean="0"/>
+              <a:rPr lang="ru-RU" dirty="0" err="1"/>
               <a:t>Хевисайда</a:t>
             </a:r>
             <a:r>
-              <a:rPr lang="ru-RU" dirty="0" smtClean="0"/>
+              <a:rPr lang="ru-RU" dirty="0"/>
               <a:t>)</a:t>
             </a:r>
-            <a:endParaRPr lang="ru-RU" dirty="0"/>
           </a:p>
         </p:txBody>
       </p:sp>
-      <mc:AlternateContent xmlns:mc="http://schemas.openxmlformats.org/markup-compatibility/2006">
-        <mc:Choice xmlns:a14="http://schemas.microsoft.com/office/drawing/2010/main" Requires="a14">
+      <mc:AlternateContent xmlns:mc="http://schemas.openxmlformats.org/markup-compatibility/2006" xmlns:a14="http://schemas.microsoft.com/office/drawing/2010/main">
+        <mc:Choice Requires="a14">
           <p:sp>
             <p:nvSpPr>
               <p:cNvPr id="3" name="Объект 2"/>
@@ -3256,19 +3233,7 @@
                     </m:oMath>
                   </m:oMathPara>
                 </a14:m>
-                <a:endParaRPr lang="en-US" dirty="0" smtClean="0"/>
-              </a:p>
-              <a:p>
-                <a:pPr marL="0" indent="0">
-                  <a:buNone/>
-                </a:pPr>
-                <a:endParaRPr lang="ru-RU" dirty="0" smtClean="0"/>
-              </a:p>
-              <a:p>
-                <a:pPr marL="0" indent="0">
-                  <a:buNone/>
-                </a:pPr>
-                <a:endParaRPr lang="ru-RU" dirty="0" smtClean="0"/>
+                <a:endParaRPr lang="en-US" dirty="0"/>
               </a:p>
               <a:p>
                 <a:pPr marL="0" indent="0">
@@ -3280,53 +3245,7 @@
                 <a:pPr marL="0" indent="0">
                   <a:buNone/>
                 </a:pPr>
-                <a:endParaRPr lang="ru-RU" dirty="0" smtClean="0"/>
-              </a:p>
-              <a:p>
-                <a:pPr marL="0" indent="0">
-                  <a:buNone/>
-                </a:pPr>
-                <a:endParaRPr lang="en-US" dirty="0" smtClean="0"/>
-              </a:p>
-              <a:p>
-                <a:pPr marL="0" indent="0">
-                  <a:buNone/>
-                </a:pPr>
-                <a:endParaRPr lang="en-US" dirty="0" smtClean="0"/>
-              </a:p>
-              <a:p>
-                <a:pPr marL="0" indent="0">
-                  <a:buNone/>
-                </a:pPr>
-                <a:r>
-                  <a:rPr lang="ru-RU" dirty="0" smtClean="0"/>
-                  <a:t>Применение</a:t>
-                </a:r>
-                <a:r>
-                  <a:rPr lang="en-US" dirty="0" smtClean="0"/>
-                  <a:t>: </a:t>
-                </a:r>
-                <a:r>
-                  <a:rPr lang="ru-RU" dirty="0" smtClean="0"/>
-                  <a:t>Задача классификации</a:t>
-                </a:r>
-              </a:p>
-              <a:p>
-                <a:pPr marL="0" indent="0">
-                  <a:buNone/>
-                </a:pPr>
-                <a:r>
-                  <a:rPr lang="ru-RU" dirty="0" smtClean="0"/>
-                  <a:t>Недостатки</a:t>
-                </a:r>
-                <a:r>
-                  <a:rPr lang="en-US" dirty="0" smtClean="0"/>
-                  <a:t>: </a:t>
-                </a:r>
-                <a:r>
-                  <a:rPr lang="ru-RU" dirty="0" smtClean="0"/>
-                  <a:t>Невозможно построить сеть из нескольких слоев</a:t>
-                </a:r>
+                <a:endParaRPr lang="ru-RU" dirty="0"/>
               </a:p>
               <a:p>
                 <a:pPr marL="0" indent="0">
@@ -3334,10 +3253,68 @@
                 </a:pPr>
                 <a:endParaRPr lang="ru-RU" dirty="0"/>
               </a:p>
+              <a:p>
+                <a:pPr marL="0" indent="0">
+                  <a:buNone/>
+                </a:pPr>
+                <a:endParaRPr lang="ru-RU" dirty="0"/>
+              </a:p>
+              <a:p>
+                <a:pPr marL="0" indent="0">
+                  <a:buNone/>
+                </a:pPr>
+                <a:endParaRPr lang="en-US" dirty="0"/>
+              </a:p>
+              <a:p>
+                <a:pPr marL="0" indent="0">
+                  <a:buNone/>
+                </a:pPr>
+                <a:endParaRPr lang="en-US" dirty="0"/>
+              </a:p>
+              <a:p>
+                <a:pPr marL="0" indent="0">
+                  <a:buNone/>
+                </a:pPr>
+                <a:r>
+                  <a:rPr lang="ru-RU" dirty="0"/>
+                  <a:t>Применение</a:t>
+                </a:r>
+                <a:r>
+                  <a:rPr lang="en-US" dirty="0"/>
+                  <a:t>: </a:t>
+                </a:r>
+                <a:r>
+                  <a:rPr lang="ru-RU" dirty="0"/>
+                  <a:t>Задача классификации</a:t>
+                </a:r>
+              </a:p>
+              <a:p>
+                <a:pPr marL="0" indent="0">
+                  <a:buNone/>
+                </a:pPr>
+                <a:r>
+                  <a:rPr lang="ru-RU" dirty="0"/>
+                  <a:t>Недостатки</a:t>
+                </a:r>
+                <a:r>
+                  <a:rPr lang="en-US" dirty="0"/>
+                  <a:t>: </a:t>
+                </a:r>
+                <a:r>
+                  <a:rPr lang="ru-RU" dirty="0"/>
+                  <a:t>Невозможно построить сеть из нескольких слоев</a:t>
+                </a:r>
+              </a:p>
+              <a:p>
+                <a:pPr marL="0" indent="0">
+                  <a:buNone/>
+                </a:pPr>
+                <a:endParaRPr lang="ru-RU" dirty="0"/>
+              </a:p>
             </p:txBody>
           </p:sp>
         </mc:Choice>
-        <mc:Fallback>
+        <mc:Fallback xmlns="">
           <p:sp>
             <p:nvSpPr>
               <p:cNvPr id="3" name="Объект 2"/>
@@ -3457,10 +3434,9 @@
           <a:p>
             <a:pPr algn="ctr"/>
             <a:r>
-              <a:rPr lang="ru-RU" dirty="0" smtClean="0"/>
+              <a:rPr lang="ru-RU" dirty="0"/>
               <a:t>Линейная функция</a:t>
             </a:r>
-            <a:endParaRPr lang="ru-RU" dirty="0"/>
           </a:p>
         </p:txBody>
       </p:sp>
@@ -3535,13 +3511,7 @@
                     </m:oMath>
                   </m:oMathPara>
                 </a14:m>
-                <a:endParaRPr lang="en-US" b="0" dirty="0" smtClean="0"/>
-              </a:p>
-              <a:p>
-                <a:pPr marL="0" indent="0">
-                  <a:buNone/>
-                </a:pPr>
-                <a:endParaRPr lang="ru-RU" dirty="0" smtClean="0"/>
+                <a:endParaRPr lang="en-US" b="0" dirty="0"/>
               </a:p>
               <a:p>
                 <a:pPr marL="0" indent="0">
@@ -3553,7 +3523,7 @@
                 <a:pPr marL="0" indent="0">
                   <a:buNone/>
                 </a:pPr>
-                <a:endParaRPr lang="ru-RU" dirty="0" smtClean="0"/>
+                <a:endParaRPr lang="ru-RU" dirty="0"/>
               </a:p>
               <a:p>
                 <a:pPr marL="0" indent="0">
@@ -3565,7 +3535,7 @@
                 <a:pPr marL="0" indent="0">
                   <a:buNone/>
                 </a:pPr>
-                <a:endParaRPr lang="ru-RU" dirty="0" smtClean="0"/>
+                <a:endParaRPr lang="ru-RU" dirty="0"/>
               </a:p>
               <a:p>
                 <a:pPr marL="0" indent="0">
@@ -3577,37 +3547,44 @@
                 <a:pPr marL="0" indent="0">
                   <a:buNone/>
                 </a:pPr>
-                <a:endParaRPr lang="ru-RU" dirty="0" smtClean="0"/>
+                <a:endParaRPr lang="ru-RU" dirty="0"/>
               </a:p>
               <a:p>
                 <a:pPr marL="0" indent="0">
                   <a:buNone/>
                 </a:pPr>
-                <a:endParaRPr lang="ru-RU" dirty="0" smtClean="0"/>
+                <a:endParaRPr lang="ru-RU" dirty="0"/>
               </a:p>
               <a:p>
                 <a:pPr marL="0" indent="0">
                   <a:buNone/>
                 </a:pPr>
-                <a:r>
-                  <a:rPr lang="ru-RU" dirty="0" smtClean="0"/>
-                  <a:t>Недостатки</a:t>
-                </a:r>
-                <a:r>
-                  <a:rPr lang="en-US" dirty="0" smtClean="0"/>
-                  <a:t>: </a:t>
-                </a:r>
-                <a:r>
-                  <a:rPr lang="ru-RU" dirty="0" smtClean="0"/>
-                  <a:t>не имеет смысла построение многослойной сети (комбинация линейных функций линейным способом является еще одной линейной функцией)</a:t>
-                </a:r>
                 <a:endParaRPr lang="ru-RU" dirty="0"/>
               </a:p>
               <a:p>
                 <a:pPr marL="0" indent="0">
                   <a:buNone/>
                 </a:pPr>
-                <a:endParaRPr lang="en-US" dirty="0" smtClean="0"/>
+                <a:r>
+                  <a:rPr lang="ru-RU" dirty="0"/>
+                  <a:t>Недостатки</a:t>
+                </a:r>
+                <a:r>
+                  <a:rPr lang="en-US" dirty="0"/>
+                  <a:t>: </a:t>
+                </a:r>
+                <a:r>
+                  <a:rPr lang="ru-RU" dirty="0"/>
+                  <a:t>не имеет смысла построение многослойной сети (комбинация линейных функций линейным </a:t>
+                </a:r>
+                <a:r>
+                  <a:rPr lang="ru-RU"/>
+                  <a:t>способом является </a:t>
+                </a:r>
+                <a:r>
+                  <a:rPr lang="ru-RU" dirty="0"/>
+                  <a:t>линейной функцией)</a:t>
+                </a:r>
               </a:p>
               <a:p>
                 <a:pPr marL="0" indent="0">
@@ -3619,7 +3596,7 @@
                 <a:pPr marL="0" indent="0">
                   <a:buNone/>
                 </a:pPr>
-                <a:endParaRPr lang="en-US" dirty="0" smtClean="0"/>
+                <a:endParaRPr lang="en-US" dirty="0"/>
               </a:p>
               <a:p>
                 <a:pPr marL="0" indent="0">
@@ -3631,7 +3608,13 @@
                 <a:pPr marL="0" indent="0">
                   <a:buNone/>
                 </a:pPr>
-                <a:endParaRPr lang="en-US" dirty="0" smtClean="0"/>
+                <a:endParaRPr lang="en-US" dirty="0"/>
+              </a:p>
+              <a:p>
+                <a:pPr marL="0" indent="0">
+                  <a:buNone/>
+                </a:pPr>
+                <a:endParaRPr lang="en-US" dirty="0"/>
               </a:p>
               <a:p>
                 <a:pPr marL="0" indent="0">
@@ -3667,7 +3650,7 @@
               <a:blipFill>
                 <a:blip r:embed="rId2"/>
                 <a:stretch>
-                  <a:fillRect l="-1217" r="-1681" b="-3284"/>
+                  <a:fillRect l="-1217" b="-3284"/>
                 </a:stretch>
               </a:blipFill>
             </p:spPr>
@@ -3676,7 +3659,7 @@
               <a:lstStyle/>
               <a:p>
                 <a:r>
-                  <a:rPr lang="ru-RU">
+                  <a:rPr lang="en-US">
                     <a:noFill/>
                   </a:rPr>
                   <a:t> </a:t>
@@ -3768,19 +3751,19 @@
           <a:p>
             <a:pPr algn="ctr"/>
             <a:r>
-              <a:rPr lang="ru-RU" dirty="0" smtClean="0"/>
+              <a:rPr lang="ru-RU" dirty="0"/>
               <a:t>Функция логистического </a:t>
             </a:r>
             <a:r>
-              <a:rPr lang="ru-RU" dirty="0" err="1" smtClean="0"/>
+              <a:rPr lang="ru-RU" dirty="0" err="1"/>
               <a:t>сигмоида</a:t>
             </a:r>
             <a:endParaRPr lang="ru-RU" dirty="0"/>
           </a:p>
         </p:txBody>
       </p:sp>
-      <mc:AlternateContent xmlns:mc="http://schemas.openxmlformats.org/markup-compatibility/2006">
-        <mc:Choice xmlns:a14="http://schemas.microsoft.com/office/drawing/2010/main" Requires="a14">
+      <mc:AlternateContent xmlns:mc="http://schemas.openxmlformats.org/markup-compatibility/2006" xmlns:a14="http://schemas.microsoft.com/office/drawing/2010/main">
+        <mc:Choice Requires="a14">
           <p:sp>
             <p:nvSpPr>
               <p:cNvPr id="3" name="Объект 2"/>
@@ -3844,7 +3827,7 @@
                       <m:f>
                         <m:fPr>
                           <m:ctrlPr>
-                            <a:rPr lang="ru-RU" smtClean="0">
+                            <a:rPr lang="ru-RU" i="1" smtClean="0">
                               <a:latin typeface="Cambria Math" panose="02040503050406030204" pitchFamily="18" charset="0"/>
                             </a:rPr>
                           </m:ctrlPr>
@@ -3900,7 +3883,7 @@
                     </m:oMath>
                   </m:oMathPara>
                 </a14:m>
-                <a:endParaRPr lang="en-US" i="1" dirty="0" smtClean="0">
+                <a:endParaRPr lang="en-US" i="1" dirty="0">
                   <a:latin typeface="Cambria Math" panose="02040503050406030204" pitchFamily="18" charset="0"/>
                 </a:endParaRPr>
               </a:p>
@@ -3909,7 +3892,7 @@
                   <a:buNone/>
                 </a:pPr>
                 <a:r>
-                  <a:rPr lang="en-US" dirty="0" smtClean="0"/>
+                  <a:rPr lang="en-US" dirty="0"/>
                   <a:t> </a:t>
                 </a:r>
                 <a14:m>
@@ -4034,7 +4017,7 @@
                     </m:r>
                   </m:oMath>
                 </a14:m>
-                <a:endParaRPr lang="ru-RU" dirty="0" smtClean="0"/>
+                <a:endParaRPr lang="ru-RU" dirty="0"/>
               </a:p>
               <a:p>
                 <a:pPr marL="0" indent="0">
@@ -4042,14 +4025,10 @@
                 </a:pPr>
                 <a:r>
                   <a:rPr lang="ru-RU" dirty="0"/>
-                  <a:t> </a:t>
-                </a:r>
-                <a:r>
-                  <a:rPr lang="ru-RU" dirty="0" smtClean="0"/>
-                  <a:t>                 </a:t>
-                </a:r>
-                <a:r>
-                  <a:rPr lang="en-US" dirty="0" smtClean="0"/>
+                  <a:t>                  </a:t>
+                </a:r>
+                <a:r>
+                  <a:rPr lang="en-US" dirty="0"/>
                   <a:t>                                                                                                 </a:t>
                 </a:r>
                 <a14:m>
@@ -4057,7 +4036,7 @@
                     <m:sSup>
                       <m:sSupPr>
                         <m:ctrlPr>
-                          <a:rPr lang="ru-RU" dirty="0" smtClean="0">
+                          <a:rPr lang="ru-RU" i="1" dirty="0" smtClean="0">
                             <a:latin typeface="Cambria Math" panose="02040503050406030204" pitchFamily="18" charset="0"/>
                           </a:rPr>
                         </m:ctrlPr>
@@ -4128,7 +4107,7 @@
                   </m:oMath>
                 </a14:m>
                 <a:r>
-                  <a:rPr lang="ru-RU" dirty="0" smtClean="0"/>
+                  <a:rPr lang="ru-RU" dirty="0"/>
                   <a:t>(1-</a:t>
                 </a:r>
                 <a14:m>
@@ -4159,15 +4138,9 @@
                   </m:oMath>
                 </a14:m>
                 <a:r>
-                  <a:rPr lang="ru-RU" dirty="0" smtClean="0"/>
+                  <a:rPr lang="ru-RU" dirty="0"/>
                   <a:t>)</a:t>
                 </a:r>
-              </a:p>
-              <a:p>
-                <a:pPr marL="0" indent="0">
-                  <a:buNone/>
-                </a:pPr>
-                <a:endParaRPr lang="en-US" dirty="0" smtClean="0"/>
               </a:p>
               <a:p>
                 <a:pPr marL="0" indent="0">
@@ -4179,22 +4152,28 @@
                 <a:pPr marL="0" indent="0">
                   <a:buNone/>
                 </a:pPr>
-                <a:endParaRPr lang="en-US" dirty="0" smtClean="0"/>
+                <a:endParaRPr lang="en-US" dirty="0"/>
               </a:p>
               <a:p>
                 <a:pPr marL="0" indent="0">
                   <a:buNone/>
                 </a:pPr>
-                <a:r>
-                  <a:rPr lang="ru-RU" dirty="0" smtClean="0"/>
+                <a:endParaRPr lang="en-US" dirty="0"/>
+              </a:p>
+              <a:p>
+                <a:pPr marL="0" indent="0">
+                  <a:buNone/>
+                </a:pPr>
+                <a:r>
+                  <a:rPr lang="ru-RU" dirty="0"/>
                   <a:t>Недостатки</a:t>
                 </a:r>
                 <a:r>
-                  <a:rPr lang="en-US" dirty="0" smtClean="0"/>
+                  <a:rPr lang="en-US" dirty="0"/>
                   <a:t>: </a:t>
                 </a:r>
                 <a:r>
-                  <a:rPr lang="ru-RU" dirty="0" smtClean="0"/>
+                  <a:rPr lang="ru-RU" dirty="0"/>
                   <a:t>сложно отличить некоторые активации (</a:t>
                 </a:r>
                 <a14:m>
@@ -4237,12 +4216,8 @@
                   </m:oMath>
                 </a14:m>
                 <a:r>
-                  <a:rPr lang="en-US" dirty="0" smtClean="0"/>
-                  <a:t>,</a:t>
-                </a:r>
-                <a:r>
-                  <a:rPr lang="en-US" dirty="0" smtClean="0"/>
-                  <a:t> </a:t>
+                  <a:rPr lang="en-US" dirty="0"/>
+                  <a:t>, </a:t>
                 </a:r>
                 <a14:m>
                   <m:oMath xmlns:m="http://schemas.openxmlformats.org/officeDocument/2006/math">
@@ -4279,13 +4254,7 @@
                       <a:rPr lang="en-US" b="0" i="0" dirty="0" smtClean="0">
                         <a:latin typeface="Cambria Math" panose="02040503050406030204" pitchFamily="18" charset="0"/>
                       </a:rPr>
-                      <m:t>.99</m:t>
-                    </m:r>
-                    <m:r>
-                      <a:rPr lang="en-US" b="0" i="0" dirty="0" smtClean="0">
-                        <a:latin typeface="Cambria Math" panose="02040503050406030204" pitchFamily="18" charset="0"/>
-                      </a:rPr>
-                      <m:t>9</m:t>
+                      <m:t>.999</m:t>
                     </m:r>
                     <m:r>
                       <a:rPr lang="en-US" b="0" i="1" dirty="0" smtClean="0">
@@ -4296,40 +4265,39 @@
                   </m:oMath>
                 </a14:m>
                 <a:r>
-                  <a:rPr lang="en-US" dirty="0" smtClean="0"/>
+                  <a:rPr lang="en-US" dirty="0"/>
                   <a:t>)</a:t>
                 </a:r>
-                <a:endParaRPr lang="en-US" dirty="0"/>
               </a:p>
               <a:p>
                 <a:pPr marL="0" indent="0">
                   <a:buNone/>
                 </a:pPr>
                 <a:r>
-                  <a:rPr lang="ru-RU" dirty="0" smtClean="0"/>
+                  <a:rPr lang="ru-RU" dirty="0"/>
                   <a:t>Применение</a:t>
                 </a:r>
                 <a:r>
-                  <a:rPr lang="en-US" dirty="0" smtClean="0"/>
+                  <a:rPr lang="en-US" dirty="0"/>
                   <a:t>: </a:t>
                 </a:r>
                 <a:r>
-                  <a:rPr lang="ru-RU" dirty="0" smtClean="0"/>
+                  <a:rPr lang="ru-RU" dirty="0"/>
                   <a:t>задачи прогнозирования вероятностей</a:t>
                 </a:r>
                 <a:r>
-                  <a:rPr lang="en-US" dirty="0" smtClean="0"/>
+                  <a:rPr lang="en-US" dirty="0"/>
                   <a:t>, </a:t>
                 </a:r>
                 <a:r>
-                  <a:rPr lang="ru-RU" dirty="0" err="1" smtClean="0"/>
+                  <a:rPr lang="ru-RU" dirty="0" err="1"/>
                   <a:t>мультиклассовой</a:t>
                 </a:r>
                 <a:r>
-                  <a:rPr lang="ru-RU" dirty="0" smtClean="0"/>
+                  <a:rPr lang="ru-RU" dirty="0"/>
                   <a:t> классификации</a:t>
                 </a:r>
-                <a:endParaRPr lang="en-US" dirty="0" smtClean="0"/>
+                <a:endParaRPr lang="en-US" dirty="0"/>
               </a:p>
               <a:p>
                 <a:pPr marL="0" indent="0">
@@ -4341,12 +4309,12 @@
                 <a:pPr marL="0" indent="0">
                   <a:buNone/>
                 </a:pPr>
-                <a:endParaRPr lang="en-US" dirty="0" smtClean="0"/>
+                <a:endParaRPr lang="en-US" dirty="0"/>
               </a:p>
             </p:txBody>
           </p:sp>
         </mc:Choice>
-        <mc:Fallback>
+        <mc:Fallback xmlns="">
           <p:sp>
             <p:nvSpPr>
               <p:cNvPr id="3" name="Объект 2"/>
@@ -4466,15 +4434,14 @@
           <a:p>
             <a:pPr algn="ctr"/>
             <a:r>
-              <a:rPr lang="ru-RU" dirty="0" smtClean="0"/>
+              <a:rPr lang="ru-RU" dirty="0"/>
               <a:t>Гиперболический тангенс</a:t>
             </a:r>
-            <a:endParaRPr lang="ru-RU" dirty="0"/>
           </a:p>
         </p:txBody>
       </p:sp>
-      <mc:AlternateContent xmlns:mc="http://schemas.openxmlformats.org/markup-compatibility/2006">
-        <mc:Choice xmlns:a14="http://schemas.microsoft.com/office/drawing/2010/main" Requires="a14">
+      <mc:AlternateContent xmlns:mc="http://schemas.openxmlformats.org/markup-compatibility/2006" xmlns:a14="http://schemas.microsoft.com/office/drawing/2010/main">
+        <mc:Choice Requires="a14">
           <p:sp>
             <p:nvSpPr>
               <p:cNvPr id="3" name="Объект 2"/>
@@ -4525,7 +4492,7 @@
                       <m:d>
                         <m:dPr>
                           <m:ctrlPr>
-                            <a:rPr lang="ru-RU" smtClean="0">
+                            <a:rPr lang="ru-RU" i="1" smtClean="0">
                               <a:latin typeface="Cambria Math" panose="02040503050406030204" pitchFamily="18" charset="0"/>
                             </a:rPr>
                           </m:ctrlPr>
@@ -4548,7 +4515,7 @@
                       <m:f>
                         <m:fPr>
                           <m:ctrlPr>
-                            <a:rPr lang="ru-RU" dirty="0" smtClean="0">
+                            <a:rPr lang="ru-RU" i="1" dirty="0" smtClean="0">
                               <a:latin typeface="Cambria Math" panose="02040503050406030204" pitchFamily="18" charset="0"/>
                             </a:rPr>
                           </m:ctrlPr>
@@ -4557,7 +4524,7 @@
                           <m:sSup>
                             <m:sSupPr>
                               <m:ctrlPr>
-                                <a:rPr lang="ru-RU" dirty="0">
+                                <a:rPr lang="ru-RU" i="1" dirty="0">
                                   <a:latin typeface="Cambria Math" panose="02040503050406030204" pitchFamily="18" charset="0"/>
                                 </a:rPr>
                               </m:ctrlPr>
@@ -4685,14 +4652,14 @@
                     </m:oMath>
                   </m:oMathPara>
                 </a14:m>
-                <a:endParaRPr lang="en-US" dirty="0" smtClean="0"/>
+                <a:endParaRPr lang="en-US" dirty="0"/>
               </a:p>
               <a:p>
                 <a:pPr marL="0" indent="0">
                   <a:buNone/>
                 </a:pPr>
                 <a:r>
-                  <a:rPr lang="en-US" dirty="0" smtClean="0"/>
+                  <a:rPr lang="en-US" dirty="0"/>
                   <a:t> </a:t>
                 </a:r>
                 <a14:m>
@@ -4853,7 +4820,7 @@
                     </m:r>
                   </m:oMath>
                 </a14:m>
-                <a:endParaRPr lang="en-US" dirty="0" smtClean="0"/>
+                <a:endParaRPr lang="en-US" dirty="0"/>
               </a:p>
               <a:p>
                 <a:pPr marL="0" indent="0">
@@ -4868,7 +4835,7 @@
                     <m:sSup>
                       <m:sSupPr>
                         <m:ctrlPr>
-                          <a:rPr lang="ru-RU" dirty="0" smtClean="0">
+                          <a:rPr lang="ru-RU" i="1" dirty="0" smtClean="0">
                             <a:latin typeface="Cambria Math" panose="02040503050406030204" pitchFamily="18" charset="0"/>
                           </a:rPr>
                         </m:ctrlPr>
@@ -4922,7 +4889,7 @@
                     <m:sSup>
                       <m:sSupPr>
                         <m:ctrlPr>
-                          <a:rPr lang="ru-RU" dirty="0" smtClean="0">
+                          <a:rPr lang="ru-RU" i="1" dirty="0" smtClean="0">
                             <a:latin typeface="Cambria Math" panose="02040503050406030204" pitchFamily="18" charset="0"/>
                           </a:rPr>
                         </m:ctrlPr>
@@ -4973,7 +4940,7 @@
                     </m:r>
                   </m:oMath>
                 </a14:m>
-                <a:endParaRPr lang="en-US" dirty="0" smtClean="0"/>
+                <a:endParaRPr lang="en-US" dirty="0"/>
               </a:p>
               <a:p>
                 <a:pPr marL="0" indent="0">
@@ -4985,7 +4952,7 @@
                 <a:pPr marL="0" indent="0">
                   <a:buNone/>
                 </a:pPr>
-                <a:endParaRPr lang="en-US" dirty="0" smtClean="0"/>
+                <a:endParaRPr lang="en-US" dirty="0"/>
               </a:p>
               <a:p>
                 <a:pPr marL="0" indent="0">
@@ -4997,7 +4964,7 @@
                 <a:pPr marL="0" indent="0">
                   <a:buNone/>
                 </a:pPr>
-                <a:endParaRPr lang="en-US" dirty="0" smtClean="0"/>
+                <a:endParaRPr lang="en-US" dirty="0"/>
               </a:p>
               <a:p>
                 <a:pPr marL="0" indent="0">
@@ -5010,23 +4977,22 @@
                   <a:buNone/>
                 </a:pPr>
                 <a:r>
-                  <a:rPr lang="ru-RU" dirty="0" smtClean="0"/>
+                  <a:rPr lang="ru-RU" dirty="0"/>
                   <a:t>Применение</a:t>
                 </a:r>
                 <a:r>
-                  <a:rPr lang="en-US" dirty="0" smtClean="0"/>
+                  <a:rPr lang="en-US" dirty="0"/>
                   <a:t>: </a:t>
                 </a:r>
                 <a:r>
-                  <a:rPr lang="ru-RU" dirty="0" smtClean="0"/>
+                  <a:rPr lang="ru-RU" dirty="0"/>
                   <a:t>задачи бинарной классификации</a:t>
                 </a:r>
-                <a:endParaRPr lang="ru-RU" dirty="0"/>
               </a:p>
             </p:txBody>
           </p:sp>
         </mc:Choice>
-        <mc:Fallback>
+        <mc:Fallback xmlns="">
           <p:sp>
             <p:nvSpPr>
               <p:cNvPr id="3" name="Объект 2"/>
@@ -5141,15 +5107,15 @@
           <a:p>
             <a:pPr algn="ctr"/>
             <a:r>
-              <a:rPr lang="en-US" dirty="0" smtClean="0"/>
+              <a:rPr lang="en-US" dirty="0"/>
               <a:t>RELU</a:t>
             </a:r>
             <a:endParaRPr lang="ru-RU" dirty="0"/>
           </a:p>
         </p:txBody>
       </p:sp>
-      <mc:AlternateContent xmlns:mc="http://schemas.openxmlformats.org/markup-compatibility/2006">
-        <mc:Choice xmlns:a14="http://schemas.microsoft.com/office/drawing/2010/main" Requires="a14">
+      <mc:AlternateContent xmlns:mc="http://schemas.openxmlformats.org/markup-compatibility/2006" xmlns:a14="http://schemas.microsoft.com/office/drawing/2010/main">
+        <mc:Choice Requires="a14">
           <p:sp>
             <p:nvSpPr>
               <p:cNvPr id="3" name="Объект 2"/>
@@ -5250,13 +5216,7 @@
                                 <a:rPr lang="en-US" b="0" i="1" dirty="0" smtClean="0">
                                   <a:latin typeface="Cambria Math" panose="02040503050406030204" pitchFamily="18" charset="0"/>
                                 </a:rPr>
-                                <m:t>, есл</m:t>
-                              </m:r>
-                              <m:r>
-                                <a:rPr lang="ru-RU" b="0" i="1" dirty="0" smtClean="0">
-                                  <a:latin typeface="Cambria Math" panose="02040503050406030204" pitchFamily="18" charset="0"/>
-                                </a:rPr>
-                                <m:t>и </m:t>
+                                <m:t>, если </m:t>
                               </m:r>
                               <m:r>
                                 <a:rPr lang="en-US" b="0" i="1" dirty="0" smtClean="0">
@@ -5282,7 +5242,7 @@
             </p:txBody>
           </p:sp>
         </mc:Choice>
-        <mc:Fallback>
+        <mc:Fallback xmlns="">
           <p:sp>
             <p:nvSpPr>
               <p:cNvPr id="3" name="Объект 2"/>
@@ -5397,31 +5357,31 @@
           <a:p>
             <a:pPr algn="ctr"/>
             <a:r>
-              <a:rPr lang="ru-RU" dirty="0" smtClean="0"/>
+              <a:rPr lang="ru-RU" dirty="0"/>
               <a:t>Почему </a:t>
             </a:r>
             <a:r>
-              <a:rPr lang="en-US" dirty="0" err="1" smtClean="0"/>
+              <a:rPr lang="en-US" dirty="0" err="1"/>
               <a:t>ReLU</a:t>
             </a:r>
             <a:r>
-              <a:rPr lang="en-US" dirty="0" smtClean="0"/>
+              <a:rPr lang="en-US" dirty="0"/>
               <a:t> </a:t>
             </a:r>
             <a:r>
-              <a:rPr lang="ru-RU" dirty="0" smtClean="0"/>
+              <a:rPr lang="ru-RU" dirty="0"/>
               <a:t>так популярна</a:t>
             </a:r>
             <a:r>
-              <a:rPr lang="en-US" dirty="0" smtClean="0"/>
+              <a:rPr lang="en-US" dirty="0"/>
               <a:t>?</a:t>
             </a:r>
             <a:endParaRPr lang="ru-RU" dirty="0"/>
           </a:p>
         </p:txBody>
       </p:sp>
-      <mc:AlternateContent xmlns:mc="http://schemas.openxmlformats.org/markup-compatibility/2006">
-        <mc:Choice xmlns:a14="http://schemas.microsoft.com/office/drawing/2010/main" Requires="a14">
+      <mc:AlternateContent xmlns:mc="http://schemas.openxmlformats.org/markup-compatibility/2006" xmlns:a14="http://schemas.microsoft.com/office/drawing/2010/main">
+        <mc:Choice Requires="a14">
           <p:sp>
             <p:nvSpPr>
               <p:cNvPr id="3" name="Объект 2"/>
@@ -5443,7 +5403,7 @@
                   <a:buNone/>
                 </a:pPr>
                 <a:r>
-                  <a:rPr lang="en-US" dirty="0" smtClean="0"/>
+                  <a:rPr lang="en-US" dirty="0"/>
                   <a:t>1)</a:t>
                 </a:r>
                 <a14:m>
@@ -5451,7 +5411,7 @@
                     <m:sSup>
                       <m:sSupPr>
                         <m:ctrlPr>
-                          <a:rPr lang="ru-RU" dirty="0" smtClean="0">
+                          <a:rPr lang="ru-RU" i="1" dirty="0" smtClean="0">
                             <a:latin typeface="Cambria Math" panose="02040503050406030204" pitchFamily="18" charset="0"/>
                           </a:rPr>
                         </m:ctrlPr>
@@ -5552,13 +5512,7 @@
                               <a:rPr lang="en-US" b="0" i="1" dirty="0" smtClean="0">
                                 <a:latin typeface="Cambria Math" panose="02040503050406030204" pitchFamily="18" charset="0"/>
                               </a:rPr>
-                              <m:t>1</m:t>
-                            </m:r>
-                            <m:r>
-                              <a:rPr lang="en-US" b="0" i="1" dirty="0" smtClean="0">
-                                <a:latin typeface="Cambria Math" panose="02040503050406030204" pitchFamily="18" charset="0"/>
-                              </a:rPr>
-                              <m:t>, есл</m:t>
+                              <m:t>1, есл</m:t>
                             </m:r>
                             <m:r>
                               <a:rPr lang="ru-RU" b="0" i="1" dirty="0" smtClean="0">
@@ -5584,20 +5538,20 @@
                     </m:d>
                   </m:oMath>
                 </a14:m>
-                <a:endParaRPr lang="en-US" dirty="0" smtClean="0"/>
+                <a:endParaRPr lang="en-US" dirty="0"/>
               </a:p>
               <a:p>
                 <a:pPr marL="0" indent="0">
                   <a:buNone/>
                 </a:pPr>
-                <a:endParaRPr lang="ru-RU" dirty="0" smtClean="0"/>
+                <a:endParaRPr lang="ru-RU" dirty="0"/>
               </a:p>
               <a:p>
                 <a:pPr marL="0" indent="0">
                   <a:buNone/>
                 </a:pPr>
                 <a:r>
-                  <a:rPr lang="en-US" dirty="0" smtClean="0"/>
+                  <a:rPr lang="en-US" dirty="0"/>
                   <a:t>2)</a:t>
                 </a:r>
                 <a:r>
@@ -5627,79 +5581,79 @@
                   </m:oMath>
                 </a14:m>
                 <a:r>
-                  <a:rPr lang="ru-RU" dirty="0" smtClean="0"/>
+                  <a:rPr lang="ru-RU" dirty="0"/>
                   <a:t> более чувствительна</a:t>
                 </a:r>
                 <a:r>
-                  <a:rPr lang="en-US" dirty="0" smtClean="0"/>
+                  <a:rPr lang="en-US" dirty="0"/>
                   <a:t>, </a:t>
                 </a:r>
                 <a:r>
-                  <a:rPr lang="ru-RU" dirty="0" smtClean="0"/>
+                  <a:rPr lang="ru-RU" dirty="0"/>
                   <a:t>чем логистический </a:t>
                 </a:r>
                 <a:r>
-                  <a:rPr lang="ru-RU" dirty="0" err="1" smtClean="0"/>
+                  <a:rPr lang="ru-RU" dirty="0" err="1"/>
                   <a:t>сигмоид</a:t>
                 </a:r>
                 <a:r>
-                  <a:rPr lang="ru-RU" dirty="0" smtClean="0"/>
+                  <a:rPr lang="ru-RU" dirty="0"/>
                   <a:t>  </a:t>
                 </a:r>
-                <a:endParaRPr lang="en-US" dirty="0" smtClean="0"/>
+                <a:endParaRPr lang="en-US" dirty="0"/>
               </a:p>
               <a:p>
                 <a:pPr marL="0" indent="0">
                   <a:buNone/>
                 </a:pPr>
-                <a:endParaRPr lang="ru-RU" dirty="0" smtClean="0"/>
+                <a:endParaRPr lang="ru-RU" dirty="0"/>
               </a:p>
               <a:p>
                 <a:pPr marL="0" indent="0">
                   <a:buNone/>
                 </a:pPr>
                 <a:r>
-                  <a:rPr lang="en-US" dirty="0" smtClean="0"/>
+                  <a:rPr lang="en-US" dirty="0"/>
                   <a:t>3) </a:t>
                 </a:r>
                 <a:r>
-                  <a:rPr lang="ru-RU" dirty="0" smtClean="0"/>
+                  <a:rPr lang="ru-RU" dirty="0"/>
                   <a:t>Функция активации реальных нейронов больше похожа на </a:t>
                 </a:r>
                 <a:r>
-                  <a:rPr lang="en-US" dirty="0" err="1" smtClean="0"/>
+                  <a:rPr lang="en-US" dirty="0" err="1"/>
                   <a:t>ReLU</a:t>
                 </a:r>
                 <a:r>
-                  <a:rPr lang="en-US" dirty="0" smtClean="0"/>
+                  <a:rPr lang="en-US" dirty="0"/>
                   <a:t>, </a:t>
                 </a:r>
                 <a:r>
-                  <a:rPr lang="ru-RU" dirty="0" smtClean="0"/>
+                  <a:rPr lang="ru-RU" dirty="0"/>
                   <a:t>чем на </a:t>
                 </a:r>
                 <a:r>
-                  <a:rPr lang="ru-RU" dirty="0" err="1" smtClean="0"/>
+                  <a:rPr lang="ru-RU" dirty="0" err="1"/>
                   <a:t>сигмоид</a:t>
                 </a:r>
-                <a:endParaRPr lang="ru-RU" dirty="0" smtClean="0"/>
+                <a:endParaRPr lang="ru-RU" dirty="0"/>
               </a:p>
               <a:p>
                 <a:pPr marL="0" indent="0">
                   <a:buNone/>
                 </a:pPr>
-                <a:endParaRPr lang="ru-RU" dirty="0" smtClean="0"/>
+                <a:endParaRPr lang="ru-RU" dirty="0"/>
               </a:p>
               <a:p>
                 <a:pPr marL="0" indent="0">
                   <a:buNone/>
                 </a:pPr>
                 <a:r>
-                  <a:rPr lang="ru-RU" dirty="0" smtClean="0"/>
+                  <a:rPr lang="ru-RU" dirty="0"/>
                   <a:t>4)</a:t>
                 </a:r>
                 <a:r>
-                  <a:rPr lang="en-US" dirty="0" smtClean="0"/>
+                  <a:rPr lang="en-US" dirty="0"/>
                   <a:t> </a:t>
                 </a:r>
                 <a14:m>
@@ -5725,15 +5679,15 @@
                   </m:oMath>
                 </a14:m>
                 <a:r>
-                  <a:rPr lang="ru-RU" dirty="0" smtClean="0"/>
+                  <a:rPr lang="ru-RU" dirty="0"/>
                   <a:t> похожа на </a:t>
                 </a:r>
                 <a:r>
-                  <a:rPr lang="en-US" dirty="0" err="1" smtClean="0"/>
+                  <a:rPr lang="en-US" dirty="0" err="1"/>
                   <a:t>SoftPlus</a:t>
                 </a:r>
                 <a:r>
-                  <a:rPr lang="en-US" dirty="0" smtClean="0"/>
+                  <a:rPr lang="en-US" dirty="0"/>
                   <a:t> &gt; sigmoid</a:t>
                 </a:r>
                 <a:endParaRPr lang="ru-RU" dirty="0"/>
@@ -5741,7 +5695,7 @@
             </p:txBody>
           </p:sp>
         </mc:Choice>
-        <mc:Fallback>
+        <mc:Fallback xmlns="">
           <p:sp>
             <p:nvSpPr>
               <p:cNvPr id="3" name="Объект 2"/>
@@ -5900,10 +5854,9 @@
           <a:p>
             <a:pPr algn="ctr"/>
             <a:r>
-              <a:rPr lang="ru-RU" dirty="0" smtClean="0"/>
+              <a:rPr lang="ru-RU" dirty="0"/>
               <a:t>Источники</a:t>
             </a:r>
-            <a:endParaRPr lang="ru-RU" dirty="0"/>
           </a:p>
         </p:txBody>
       </p:sp>
@@ -5922,7 +5875,50 @@
           <a:bodyPr/>
           <a:lstStyle/>
           <a:p>
-            <a:endParaRPr lang="ru-RU"/>
+            <a:pPr marL="514350" indent="-514350">
+              <a:buAutoNum type="arabicParenR"/>
+            </a:pPr>
+            <a:r>
+              <a:rPr lang="ru-RU" dirty="0"/>
+              <a:t>Глубокое обучение. Погружение в мир нейронных сетей</a:t>
+            </a:r>
+            <a:endParaRPr lang="en-US" dirty="0"/>
+          </a:p>
+          <a:p>
+            <a:pPr marL="514350" indent="-514350">
+              <a:buAutoNum type="arabicParenR"/>
+            </a:pPr>
+            <a:r>
+              <a:rPr lang="en-US" dirty="0">
+                <a:hlinkClick r:id="rId2"/>
+              </a:rPr>
+              <a:t>https://medium.com/the-theory-of-everything/understanding-activation-functions-in-neural-networks-9491262884e0</a:t>
+            </a:r>
+            <a:endParaRPr lang="en-US" dirty="0"/>
+          </a:p>
+          <a:p>
+            <a:pPr marL="514350" indent="-514350">
+              <a:buAutoNum type="arabicParenR"/>
+            </a:pPr>
+            <a:r>
+              <a:rPr lang="en-US" dirty="0">
+                <a:hlinkClick r:id="rId3"/>
+              </a:rPr>
+              <a:t>https://towardsdatascience.com/activation-functions-neural-networks-1cbd9f8d91d6</a:t>
+            </a:r>
+            <a:endParaRPr lang="en-US" dirty="0"/>
+          </a:p>
+          <a:p>
+            <a:pPr marL="0" indent="0">
+              <a:buNone/>
+            </a:pPr>
+            <a:endParaRPr lang="ru-RU" dirty="0"/>
+          </a:p>
+          <a:p>
+            <a:pPr marL="0" indent="0">
+              <a:buNone/>
+            </a:pPr>
+            <a:endParaRPr lang="ru-RU" dirty="0"/>
           </a:p>
         </p:txBody>
       </p:sp>
@@ -5973,10 +5969,9 @@
           <a:p>
             <a:pPr algn="ctr"/>
             <a:r>
-              <a:rPr lang="ru-RU" dirty="0" smtClean="0"/>
+              <a:rPr lang="ru-RU" dirty="0"/>
               <a:t>Предпосылки</a:t>
             </a:r>
-            <a:endParaRPr lang="ru-RU" dirty="0"/>
           </a:p>
         </p:txBody>
       </p:sp>
@@ -6046,27 +6041,26 @@
           <a:p>
             <a:pPr algn="ctr"/>
             <a:r>
-              <a:rPr lang="ru-RU" dirty="0" err="1" smtClean="0"/>
+              <a:rPr lang="ru-RU" dirty="0" err="1"/>
               <a:t>Перцептрон</a:t>
             </a:r>
             <a:r>
-              <a:rPr lang="ru-RU" dirty="0" smtClean="0"/>
+              <a:rPr lang="ru-RU" dirty="0"/>
               <a:t> </a:t>
             </a:r>
             <a:r>
-              <a:rPr lang="ru-RU" dirty="0" err="1" smtClean="0"/>
+              <a:rPr lang="ru-RU" dirty="0" err="1"/>
               <a:t>Розенблатта</a:t>
             </a:r>
             <a:r>
-              <a:rPr lang="ru-RU" dirty="0" smtClean="0"/>
+              <a:rPr lang="ru-RU" dirty="0"/>
               <a:t> </a:t>
             </a:r>
-            <a:endParaRPr lang="ru-RU" dirty="0"/>
           </a:p>
         </p:txBody>
       </p:sp>
-      <mc:AlternateContent xmlns:mc="http://schemas.openxmlformats.org/markup-compatibility/2006">
-        <mc:Choice xmlns:a14="http://schemas.microsoft.com/office/drawing/2010/main" Requires="a14">
+      <mc:AlternateContent xmlns:mc="http://schemas.openxmlformats.org/markup-compatibility/2006" xmlns:a14="http://schemas.microsoft.com/office/drawing/2010/main">
+        <mc:Choice Requires="a14">
           <p:sp>
             <p:nvSpPr>
               <p:cNvPr id="3" name="Объект 2"/>
@@ -6086,7 +6080,7 @@
                   <a:buNone/>
                 </a:pPr>
                 <a:r>
-                  <a:rPr lang="en-US" dirty="0" smtClean="0">
+                  <a:rPr lang="en-US" dirty="0">
                     <a:ea typeface="Cambria Math" panose="02040503050406030204" pitchFamily="18" charset="0"/>
                   </a:rPr>
                   <a:t> </a:t>
@@ -6112,7 +6106,7 @@
                         <m:begChr m:val="{"/>
                         <m:endChr m:val="}"/>
                         <m:ctrlPr>
-                          <a:rPr lang="ru-RU" dirty="0" smtClean="0">
+                          <a:rPr lang="ru-RU" i="1" dirty="0" smtClean="0">
                             <a:latin typeface="Cambria Math" panose="02040503050406030204" pitchFamily="18" charset="0"/>
                           </a:rPr>
                         </m:ctrlPr>
@@ -6141,11 +6135,11 @@
                   </m:oMath>
                 </a14:m>
                 <a:r>
-                  <a:rPr lang="en-US" dirty="0" smtClean="0"/>
+                  <a:rPr lang="en-US" dirty="0"/>
                   <a:t>- </a:t>
                 </a:r>
                 <a:r>
-                  <a:rPr lang="ru-RU" dirty="0" smtClean="0"/>
+                  <a:rPr lang="ru-RU" dirty="0"/>
                   <a:t>множество возможных значений</a:t>
                 </a:r>
               </a:p>
@@ -6154,7 +6148,7 @@
                   <a:buNone/>
                 </a:pPr>
                 <a:r>
-                  <a:rPr lang="ru-RU" dirty="0" smtClean="0"/>
+                  <a:rPr lang="ru-RU" dirty="0"/>
                   <a:t> </a:t>
                 </a:r>
                 <a14:m>
@@ -6174,7 +6168,7 @@
                     <m:d>
                       <m:dPr>
                         <m:ctrlPr>
-                          <a:rPr lang="ru-RU" dirty="0" smtClean="0">
+                          <a:rPr lang="ru-RU" i="1" dirty="0" smtClean="0">
                             <a:latin typeface="Cambria Math" panose="02040503050406030204" pitchFamily="18" charset="0"/>
                           </a:rPr>
                         </m:ctrlPr>
@@ -6183,7 +6177,7 @@
                         <m:sSub>
                           <m:sSubPr>
                             <m:ctrlPr>
-                              <a:rPr lang="ru-RU" dirty="0">
+                              <a:rPr lang="ru-RU" i="1" dirty="0">
                                 <a:latin typeface="Cambria Math" panose="02040503050406030204" pitchFamily="18" charset="0"/>
                               </a:rPr>
                             </m:ctrlPr>
@@ -6275,11 +6269,11 @@
                   </m:oMath>
                 </a14:m>
                 <a:r>
-                  <a:rPr lang="en-US" dirty="0" smtClean="0"/>
+                  <a:rPr lang="en-US" dirty="0"/>
                   <a:t>- </a:t>
                 </a:r>
                 <a:r>
-                  <a:rPr lang="ru-RU" dirty="0" smtClean="0"/>
+                  <a:rPr lang="ru-RU" dirty="0"/>
                   <a:t>вход </a:t>
                 </a:r>
               </a:p>
@@ -6294,7 +6288,7 @@
                   <a:buNone/>
                 </a:pPr>
                 <a:r>
-                  <a:rPr lang="ru-RU" dirty="0" smtClean="0"/>
+                  <a:rPr lang="ru-RU" dirty="0"/>
                   <a:t> </a:t>
                 </a:r>
                 <a14:m>
@@ -6320,7 +6314,7 @@
                     <m:d>
                       <m:dPr>
                         <m:ctrlPr>
-                          <a:rPr lang="ru-RU" dirty="0" smtClean="0">
+                          <a:rPr lang="ru-RU" i="1" dirty="0" smtClean="0">
                             <a:latin typeface="Cambria Math" panose="02040503050406030204" pitchFamily="18" charset="0"/>
                           </a:rPr>
                         </m:ctrlPr>
@@ -6536,14 +6530,14 @@
                   </m:oMath>
                 </a14:m>
                 <a:r>
-                  <a:rPr lang="ru-RU" dirty="0" smtClean="0"/>
+                  <a:rPr lang="ru-RU" dirty="0"/>
                   <a:t>-модель </a:t>
                 </a:r>
                 <a:r>
-                  <a:rPr lang="ru-RU" dirty="0" err="1" smtClean="0"/>
+                  <a:rPr lang="ru-RU" dirty="0" err="1"/>
                   <a:t>Розенблатта</a:t>
                 </a:r>
-                <a:endParaRPr lang="ru-RU" dirty="0" smtClean="0"/>
+                <a:endParaRPr lang="ru-RU" dirty="0"/>
               </a:p>
               <a:p>
                 <a:pPr marL="0" indent="0">
@@ -6554,7 +6548,7 @@
             </p:txBody>
           </p:sp>
         </mc:Choice>
-        <mc:Fallback>
+        <mc:Fallback xmlns="">
           <p:sp>
             <p:nvSpPr>
               <p:cNvPr id="3" name="Объект 2"/>
@@ -6637,8 +6631,8 @@
           </a:p>
         </p:txBody>
       </p:sp>
-      <mc:AlternateContent xmlns:mc="http://schemas.openxmlformats.org/markup-compatibility/2006">
-        <mc:Choice xmlns:a14="http://schemas.microsoft.com/office/drawing/2010/main" Requires="a14">
+      <mc:AlternateContent xmlns:mc="http://schemas.openxmlformats.org/markup-compatibility/2006" xmlns:a14="http://schemas.microsoft.com/office/drawing/2010/main">
+        <mc:Choice Requires="a14">
           <p:sp>
             <p:nvSpPr>
               <p:cNvPr id="3" name="Объект 2"/>
@@ -6658,7 +6652,7 @@
                   <a:buNone/>
                 </a:pPr>
                 <a:r>
-                  <a:rPr lang="ru-RU" dirty="0" smtClean="0"/>
+                  <a:rPr lang="ru-RU" dirty="0"/>
                   <a:t>Пусть </a:t>
                 </a:r>
                 <a14:m>
@@ -6678,7 +6672,7 @@
                     <m:d>
                       <m:dPr>
                         <m:ctrlPr>
-                          <a:rPr lang="ru-RU" smtClean="0">
+                          <a:rPr lang="ru-RU" i="1" smtClean="0">
                             <a:latin typeface="Cambria Math" panose="02040503050406030204" pitchFamily="18" charset="0"/>
                           </a:rPr>
                         </m:ctrlPr>
@@ -6687,7 +6681,7 @@
                         <m:sSub>
                           <m:sSubPr>
                             <m:ctrlPr>
-                              <a:rPr lang="ru-RU" i="0" smtClean="0">
+                              <a:rPr lang="ru-RU" i="1" smtClean="0">
                                 <a:latin typeface="Cambria Math" panose="02040503050406030204" pitchFamily="18" charset="0"/>
                               </a:rPr>
                             </m:ctrlPr>
@@ -6856,7 +6850,7 @@
                   </m:oMath>
                 </a14:m>
                 <a:r>
-                  <a:rPr lang="ru-RU" dirty="0" smtClean="0"/>
+                  <a:rPr lang="ru-RU" dirty="0"/>
                   <a:t> </a:t>
                 </a:r>
               </a:p>
@@ -6866,11 +6860,7 @@
                 </a:pPr>
                 <a:r>
                   <a:rPr lang="ru-RU" dirty="0"/>
-                  <a:t> </a:t>
-                </a:r>
-                <a:r>
-                  <a:rPr lang="ru-RU" dirty="0" smtClean="0"/>
-                  <a:t>          </a:t>
+                  <a:t>           </a:t>
                 </a:r>
                 <a14:m>
                   <m:oMath xmlns:m="http://schemas.openxmlformats.org/officeDocument/2006/math">
@@ -6889,7 +6879,7 @@
                     <m:d>
                       <m:dPr>
                         <m:ctrlPr>
-                          <a:rPr lang="ru-RU" dirty="0" smtClean="0">
+                          <a:rPr lang="ru-RU" i="1" dirty="0" smtClean="0">
                             <a:latin typeface="Cambria Math" panose="02040503050406030204" pitchFamily="18" charset="0"/>
                           </a:rPr>
                         </m:ctrlPr>
@@ -7023,7 +7013,7 @@
                     </m:d>
                   </m:oMath>
                 </a14:m>
-                <a:endParaRPr lang="en-US" dirty="0" smtClean="0"/>
+                <a:endParaRPr lang="en-US" dirty="0"/>
               </a:p>
               <a:p>
                 <a:pPr marL="0" indent="0">
@@ -7036,29 +7026,29 @@
                   <a:buNone/>
                 </a:pPr>
                 <a:r>
-                  <a:rPr lang="ru-RU" dirty="0" smtClean="0"/>
+                  <a:rPr lang="ru-RU" dirty="0"/>
                   <a:t>Тогда формула модели </a:t>
                 </a:r>
                 <a:r>
-                  <a:rPr lang="ru-RU" dirty="0" err="1" smtClean="0"/>
+                  <a:rPr lang="ru-RU" dirty="0" err="1"/>
                   <a:t>Розенблатта</a:t>
                 </a:r>
                 <a:r>
-                  <a:rPr lang="ru-RU" dirty="0" smtClean="0"/>
+                  <a:rPr lang="ru-RU" dirty="0"/>
                   <a:t> примет более однородную форму</a:t>
                 </a:r>
                 <a:r>
-                  <a:rPr lang="en-US" dirty="0" smtClean="0"/>
+                  <a:rPr lang="en-US" dirty="0"/>
                   <a:t>:</a:t>
                 </a:r>
-                <a:endParaRPr lang="ru-RU" dirty="0" smtClean="0"/>
+                <a:endParaRPr lang="ru-RU" dirty="0"/>
               </a:p>
               <a:p>
                 <a:pPr marL="0" indent="0">
                   <a:buNone/>
                 </a:pPr>
                 <a:r>
-                  <a:rPr lang="ru-RU" dirty="0" smtClean="0"/>
+                  <a:rPr lang="ru-RU" dirty="0"/>
                   <a:t>  </a:t>
                 </a:r>
                 <a14:m>
@@ -7066,7 +7056,7 @@
                     <m:sSup>
                       <m:sSupPr>
                         <m:ctrlPr>
-                          <a:rPr lang="ru-RU" dirty="0" smtClean="0">
+                          <a:rPr lang="ru-RU" i="1" dirty="0" smtClean="0">
                             <a:latin typeface="Cambria Math" panose="02040503050406030204" pitchFamily="18" charset="0"/>
                           </a:rPr>
                         </m:ctrlPr>
@@ -7127,12 +7117,8 @@
                   </m:oMath>
                 </a14:m>
                 <a:r>
-                  <a:rPr lang="ru-RU" dirty="0" smtClean="0"/>
-                  <a:t>=</a:t>
-                </a:r>
-                <a:r>
-                  <a:rPr lang="ru-RU" dirty="0" smtClean="0"/>
-                  <a:t> </a:t>
+                  <a:rPr lang="ru-RU" dirty="0"/>
+                  <a:t>= </a:t>
                 </a:r>
                 <a14:m>
                   <m:oMath xmlns:m="http://schemas.openxmlformats.org/officeDocument/2006/math">
@@ -7159,7 +7145,7 @@
                         <m:begChr m:val="⟨"/>
                         <m:endChr m:val="⟩"/>
                         <m:ctrlPr>
-                          <a:rPr lang="ru-RU" dirty="0" smtClean="0">
+                          <a:rPr lang="ru-RU" i="1" dirty="0" smtClean="0">
                             <a:latin typeface="Cambria Math" panose="02040503050406030204" pitchFamily="18" charset="0"/>
                           </a:rPr>
                         </m:ctrlPr>
@@ -7187,13 +7173,7 @@
                     </m:d>
                   </m:oMath>
                 </a14:m>
-                <a:endParaRPr lang="ru-RU" dirty="0" smtClean="0"/>
-              </a:p>
-              <a:p>
-                <a:pPr marL="0" indent="0">
-                  <a:buNone/>
-                </a:pPr>
-                <a:endParaRPr lang="ru-RU" dirty="0" smtClean="0"/>
+                <a:endParaRPr lang="ru-RU" dirty="0"/>
               </a:p>
               <a:p>
                 <a:pPr marL="0" indent="0">
@@ -7201,10 +7181,16 @@
                 </a:pPr>
                 <a:endParaRPr lang="ru-RU" dirty="0"/>
               </a:p>
+              <a:p>
+                <a:pPr marL="0" indent="0">
+                  <a:buNone/>
+                </a:pPr>
+                <a:endParaRPr lang="ru-RU" dirty="0"/>
+              </a:p>
             </p:txBody>
           </p:sp>
         </mc:Choice>
-        <mc:Fallback>
+        <mc:Fallback xmlns="">
           <p:sp>
             <p:nvSpPr>
               <p:cNvPr id="3" name="Объект 2"/>
@@ -7285,15 +7271,14 @@
           <a:p>
             <a:pPr algn="ctr"/>
             <a:r>
-              <a:rPr lang="ru-RU" dirty="0" smtClean="0"/>
+              <a:rPr lang="ru-RU" dirty="0"/>
               <a:t>Геометрический смысл линейного классификатора </a:t>
             </a:r>
-            <a:endParaRPr lang="ru-RU" dirty="0"/>
           </a:p>
         </p:txBody>
       </p:sp>
-      <mc:AlternateContent xmlns:mc="http://schemas.openxmlformats.org/markup-compatibility/2006">
-        <mc:Choice xmlns:a14="http://schemas.microsoft.com/office/drawing/2010/main" Requires="a14">
+      <mc:AlternateContent xmlns:mc="http://schemas.openxmlformats.org/markup-compatibility/2006" xmlns:a14="http://schemas.microsoft.com/office/drawing/2010/main">
+        <mc:Choice Requires="a14">
           <p:sp>
             <p:nvSpPr>
               <p:cNvPr id="3" name="Объект 2"/>
@@ -7313,7 +7298,7 @@
                   <a:buNone/>
                 </a:pPr>
                 <a:r>
-                  <a:rPr lang="ru-RU" dirty="0" smtClean="0"/>
+                  <a:rPr lang="ru-RU" dirty="0"/>
                   <a:t> </a:t>
                 </a:r>
                 <a14:m>
@@ -7368,7 +7353,7 @@
             </p:txBody>
           </p:sp>
         </mc:Choice>
-        <mc:Fallback>
+        <mc:Fallback xmlns="">
           <p:sp>
             <p:nvSpPr>
               <p:cNvPr id="3" name="Объект 2"/>
@@ -7479,15 +7464,14 @@
           <a:p>
             <a:pPr algn="ctr"/>
             <a:r>
-              <a:rPr lang="ru-RU" dirty="0" smtClean="0"/>
+              <a:rPr lang="ru-RU" dirty="0"/>
               <a:t>Понятие отступа </a:t>
             </a:r>
-            <a:endParaRPr lang="ru-RU" dirty="0"/>
           </a:p>
         </p:txBody>
       </p:sp>
-      <mc:AlternateContent xmlns:mc="http://schemas.openxmlformats.org/markup-compatibility/2006">
-        <mc:Choice xmlns:a14="http://schemas.microsoft.com/office/drawing/2010/main" Requires="a14">
+      <mc:AlternateContent xmlns:mc="http://schemas.openxmlformats.org/markup-compatibility/2006" xmlns:a14="http://schemas.microsoft.com/office/drawing/2010/main">
+        <mc:Choice Requires="a14">
           <p:sp>
             <p:nvSpPr>
               <p:cNvPr id="3" name="Объект 2"/>
@@ -7507,7 +7491,7 @@
                   <a:buNone/>
                 </a:pPr>
                 <a:r>
-                  <a:rPr lang="ru-RU" dirty="0" smtClean="0"/>
+                  <a:rPr lang="ru-RU" dirty="0"/>
                   <a:t> </a:t>
                 </a:r>
                 <a14:m>
@@ -7515,7 +7499,7 @@
                     <m:f>
                       <m:fPr>
                         <m:ctrlPr>
-                          <a:rPr lang="ru-RU" dirty="0" smtClean="0">
+                          <a:rPr lang="ru-RU" i="1" dirty="0" smtClean="0">
                             <a:latin typeface="Cambria Math" panose="02040503050406030204" pitchFamily="18" charset="0"/>
                           </a:rPr>
                         </m:ctrlPr>
@@ -7526,7 +7510,7 @@
                             <m:begChr m:val="|"/>
                             <m:endChr m:val="|"/>
                             <m:ctrlPr>
-                              <a:rPr lang="ru-RU" dirty="0">
+                              <a:rPr lang="ru-RU" i="1" dirty="0">
                                 <a:latin typeface="Cambria Math" panose="02040503050406030204" pitchFamily="18" charset="0"/>
                               </a:rPr>
                             </m:ctrlPr>
@@ -7591,15 +7575,15 @@
                   </m:oMath>
                 </a14:m>
                 <a:r>
-                  <a:rPr lang="ru-RU" dirty="0" smtClean="0"/>
+                  <a:rPr lang="ru-RU" dirty="0"/>
                   <a:t>- расстояние от конкретного объекта</a:t>
                 </a:r>
                 <a:r>
-                  <a:rPr lang="en-US" dirty="0" smtClean="0"/>
+                  <a:rPr lang="en-US" dirty="0"/>
                   <a:t>, </a:t>
                 </a:r>
                 <a:r>
-                  <a:rPr lang="ru-RU" dirty="0" smtClean="0"/>
+                  <a:rPr lang="ru-RU" dirty="0"/>
                   <a:t>который имеет признаковое описание </a:t>
                 </a:r>
                 <a14:m>
@@ -7619,7 +7603,7 @@
                   </m:oMath>
                 </a14:m>
                 <a:r>
-                  <a:rPr lang="ru-RU" dirty="0" smtClean="0"/>
+                  <a:rPr lang="ru-RU" dirty="0"/>
                   <a:t>до гиперплоскости </a:t>
                 </a:r>
                 <a14:m>
@@ -7629,7 +7613,7 @@
                         <m:begChr m:val="⟨"/>
                         <m:endChr m:val="⟩"/>
                         <m:ctrlPr>
-                          <a:rPr lang="ru-RU" dirty="0" smtClean="0">
+                          <a:rPr lang="ru-RU" i="1" dirty="0" smtClean="0">
                             <a:latin typeface="Cambria Math" panose="02040503050406030204" pitchFamily="18" charset="0"/>
                           </a:rPr>
                         </m:ctrlPr>
@@ -7663,7 +7647,7 @@
                     </m:r>
                   </m:oMath>
                 </a14:m>
-                <a:endParaRPr lang="ru-RU" dirty="0" smtClean="0"/>
+                <a:endParaRPr lang="ru-RU" dirty="0"/>
               </a:p>
               <a:p>
                 <a:pPr marL="0" indent="0">
@@ -7675,22 +7659,22 @@
                 <a:pPr marL="0" indent="0">
                   <a:buNone/>
                 </a:pPr>
-                <a:endParaRPr lang="ru-RU" dirty="0" smtClean="0"/>
+                <a:endParaRPr lang="ru-RU" dirty="0"/>
               </a:p>
               <a:p>
                 <a:pPr marL="0" indent="0">
                   <a:buNone/>
                 </a:pPr>
                 <a:r>
-                  <a:rPr lang="ru-RU" dirty="0" smtClean="0"/>
+                  <a:rPr lang="ru-RU" dirty="0"/>
                   <a:t>Отступ-величина</a:t>
                 </a:r>
                 <a:r>
-                  <a:rPr lang="en-US" dirty="0" smtClean="0"/>
+                  <a:rPr lang="en-US" dirty="0"/>
                   <a:t>, </a:t>
                 </a:r>
                 <a:r>
-                  <a:rPr lang="ru-RU" dirty="0" smtClean="0"/>
+                  <a:rPr lang="ru-RU" dirty="0"/>
                   <a:t>которая определяет корректность ответа </a:t>
                 </a:r>
               </a:p>
@@ -7813,7 +7797,7 @@
                     </m:oMath>
                   </m:oMathPara>
                 </a14:m>
-                <a:endParaRPr lang="ru-RU" dirty="0" smtClean="0"/>
+                <a:endParaRPr lang="ru-RU" dirty="0"/>
               </a:p>
               <a:p>
                 <a:pPr marL="0" indent="0">
@@ -7830,7 +7814,7 @@
             </p:txBody>
           </p:sp>
         </mc:Choice>
-        <mc:Fallback>
+        <mc:Fallback xmlns="">
           <p:sp>
             <p:nvSpPr>
               <p:cNvPr id="3" name="Объект 2"/>
@@ -7911,23 +7895,22 @@
           <a:p>
             <a:pPr algn="ctr"/>
             <a:r>
-              <a:rPr lang="ru-RU" dirty="0" smtClean="0"/>
+              <a:rPr lang="ru-RU" dirty="0"/>
               <a:t>Критерий </a:t>
             </a:r>
             <a:r>
-              <a:rPr lang="ru-RU" dirty="0" err="1" smtClean="0"/>
+              <a:rPr lang="ru-RU" dirty="0" err="1"/>
               <a:t>перцептрона</a:t>
             </a:r>
             <a:r>
-              <a:rPr lang="ru-RU" dirty="0" smtClean="0"/>
+              <a:rPr lang="ru-RU" dirty="0"/>
               <a:t> </a:t>
             </a:r>
-            <a:endParaRPr lang="ru-RU" dirty="0"/>
           </a:p>
         </p:txBody>
       </p:sp>
-      <mc:AlternateContent xmlns:mc="http://schemas.openxmlformats.org/markup-compatibility/2006">
-        <mc:Choice xmlns:a14="http://schemas.microsoft.com/office/drawing/2010/main" Requires="a14">
+      <mc:AlternateContent xmlns:mc="http://schemas.openxmlformats.org/markup-compatibility/2006" xmlns:a14="http://schemas.microsoft.com/office/drawing/2010/main">
+        <mc:Choice Requires="a14">
           <p:sp>
             <p:nvSpPr>
               <p:cNvPr id="3" name="Объект 2"/>
@@ -7955,7 +7938,7 @@
                       <m:sSub>
                         <m:sSubPr>
                           <m:ctrlPr>
-                            <a:rPr lang="ru-RU" dirty="0" smtClean="0">
+                            <a:rPr lang="ru-RU" i="1" dirty="0" smtClean="0">
                               <a:latin typeface="Cambria Math" panose="02040503050406030204" pitchFamily="18" charset="0"/>
                             </a:rPr>
                           </m:ctrlPr>
@@ -8093,14 +8076,14 @@
                     </m:oMath>
                   </m:oMathPara>
                 </a14:m>
-                <a:endParaRPr lang="ru-RU" dirty="0" smtClean="0"/>
+                <a:endParaRPr lang="ru-RU" dirty="0"/>
               </a:p>
               <a:p>
                 <a:pPr marL="0" indent="0">
                   <a:buNone/>
                 </a:pPr>
                 <a:r>
-                  <a:rPr lang="ru-RU" dirty="0" smtClean="0"/>
+                  <a:rPr lang="ru-RU" dirty="0"/>
                   <a:t>Где </a:t>
                 </a:r>
                 <a14:m>
@@ -8114,23 +8097,23 @@
                   </m:oMath>
                 </a14:m>
                 <a:r>
-                  <a:rPr lang="ru-RU" dirty="0" smtClean="0"/>
+                  <a:rPr lang="ru-RU" dirty="0"/>
                   <a:t> множество тех примеров</a:t>
                 </a:r>
                 <a:r>
-                  <a:rPr lang="en-US" dirty="0" smtClean="0"/>
+                  <a:rPr lang="en-US" dirty="0"/>
                   <a:t>, </a:t>
                 </a:r>
                 <a:r>
-                  <a:rPr lang="ru-RU" dirty="0" smtClean="0"/>
+                  <a:rPr lang="ru-RU" dirty="0"/>
                   <a:t>которые </a:t>
                 </a:r>
                 <a:r>
-                  <a:rPr lang="ru-RU" dirty="0" err="1" smtClean="0"/>
+                  <a:rPr lang="ru-RU" dirty="0" err="1"/>
                   <a:t>перцептрон</a:t>
                 </a:r>
                 <a:r>
-                  <a:rPr lang="ru-RU" dirty="0" smtClean="0"/>
+                  <a:rPr lang="ru-RU" dirty="0"/>
                   <a:t> с весами </a:t>
                 </a:r>
                 <a14:m>
@@ -8143,7 +8126,7 @@
                     </m:r>
                   </m:oMath>
                 </a14:m>
-                <a:endParaRPr lang="ru-RU" dirty="0" smtClean="0"/>
+                <a:endParaRPr lang="ru-RU" dirty="0"/>
               </a:p>
               <a:p>
                 <a:pPr marL="0" indent="0">
@@ -8151,18 +8134,13 @@
                 </a:pPr>
                 <a:r>
                   <a:rPr lang="ru-RU" dirty="0"/>
-                  <a:t>к</a:t>
-                </a:r>
-                <a:r>
-                  <a:rPr lang="ru-RU" dirty="0" smtClean="0"/>
-                  <a:t>лассифицирует неверно </a:t>
-                </a:r>
-                <a:endParaRPr lang="ru-RU" dirty="0"/>
+                  <a:t>классифицирует неверно </a:t>
+                </a:r>
               </a:p>
             </p:txBody>
           </p:sp>
         </mc:Choice>
-        <mc:Fallback>
+        <mc:Fallback xmlns="">
           <p:sp>
             <p:nvSpPr>
               <p:cNvPr id="3" name="Объект 2"/>
@@ -8243,11 +8221,11 @@
           <a:p>
             <a:pPr algn="ctr"/>
             <a:r>
-              <a:rPr lang="ru-RU" dirty="0" smtClean="0"/>
+              <a:rPr lang="ru-RU" dirty="0"/>
               <a:t>Проблема </a:t>
             </a:r>
             <a:r>
-              <a:rPr lang="en-US" dirty="0" smtClean="0"/>
+              <a:rPr lang="en-US" dirty="0"/>
               <a:t>XOR</a:t>
             </a:r>
             <a:endParaRPr lang="ru-RU" dirty="0"/>
@@ -8330,10 +8308,9 @@
           <a:p>
             <a:pPr algn="ctr"/>
             <a:r>
-              <a:rPr lang="ru-RU" dirty="0" smtClean="0"/>
+              <a:rPr lang="ru-RU" dirty="0"/>
               <a:t>Основные функции активации</a:t>
             </a:r>
-            <a:endParaRPr lang="ru-RU" dirty="0"/>
           </a:p>
         </p:txBody>
       </p:sp>
